--- a/ResearchPresentation.pptx
+++ b/ResearchPresentation.pptx
@@ -12,7 +12,8 @@
     <p:sldId id="261" r:id="rId6"/>
     <p:sldId id="263" r:id="rId7"/>
     <p:sldId id="262" r:id="rId8"/>
-    <p:sldId id="260" r:id="rId9"/>
+    <p:sldId id="264" r:id="rId9"/>
+    <p:sldId id="260" r:id="rId10"/>
   </p:sldIdLst>
   <p:sldSz cx="12192000" cy="6858000"/>
   <p:notesSz cx="6858000" cy="9144000"/>
@@ -111,6 +112,11 @@
       </a:defRPr>
     </a:lvl9pPr>
   </p:defaultTextStyle>
+  <p:extLst>
+    <p:ext uri="{EFAFB233-063F-42B5-8137-9DF3F51BA10A}">
+      <p15:sldGuideLst xmlns:p15="http://schemas.microsoft.com/office/powerpoint/2012/main"/>
+    </p:ext>
+  </p:extLst>
 </p:presentation>
 </file>
 
@@ -244,7 +250,7 @@
           </a:lstStyle>
           <a:p>
             <a:r>
-              <a:rPr lang="en-US" smtClean="0"/>
+              <a:rPr lang="en-US"/>
               <a:t>Click to edit Master title style</a:t>
             </a:r>
             <a:endParaRPr lang="en-US" dirty="0"/>
@@ -316,7 +322,7 @@
           </a:lstStyle>
           <a:p>
             <a:r>
-              <a:rPr lang="en-US" smtClean="0"/>
+              <a:rPr lang="en-US"/>
               <a:t>Click to edit Master subtitle style</a:t>
             </a:r>
             <a:endParaRPr lang="en-US" dirty="0"/>
@@ -340,7 +346,7 @@
           <a:p>
             <a:fld id="{57C4B07C-7E95-4C97-A006-EBD0C7B69BFE}" type="datetimeFigureOut">
               <a:rPr lang="en-GB" smtClean="0"/>
-              <a:t>12/03/2018</a:t>
+              <a:t>13/03/2018</a:t>
             </a:fld>
             <a:endParaRPr lang="en-GB"/>
           </a:p>
@@ -472,7 +478,7 @@
           <a:lstStyle/>
           <a:p>
             <a:r>
-              <a:rPr lang="en-US" smtClean="0"/>
+              <a:rPr lang="en-US"/>
               <a:t>Click to edit Master title style</a:t>
             </a:r>
             <a:endParaRPr lang="en-US" dirty="0"/>
@@ -496,35 +502,35 @@
           <a:p>
             <a:pPr lvl="0"/>
             <a:r>
-              <a:rPr lang="en-US" smtClean="0"/>
+              <a:rPr lang="en-US"/>
               <a:t>Edit Master text styles</a:t>
             </a:r>
           </a:p>
           <a:p>
             <a:pPr lvl="1"/>
             <a:r>
-              <a:rPr lang="en-US" smtClean="0"/>
+              <a:rPr lang="en-US"/>
               <a:t>Second level</a:t>
             </a:r>
           </a:p>
           <a:p>
             <a:pPr lvl="2"/>
             <a:r>
-              <a:rPr lang="en-US" smtClean="0"/>
+              <a:rPr lang="en-US"/>
               <a:t>Third level</a:t>
             </a:r>
           </a:p>
           <a:p>
             <a:pPr lvl="3"/>
             <a:r>
-              <a:rPr lang="en-US" smtClean="0"/>
+              <a:rPr lang="en-US"/>
               <a:t>Fourth level</a:t>
             </a:r>
           </a:p>
           <a:p>
             <a:pPr lvl="4"/>
             <a:r>
-              <a:rPr lang="en-US" smtClean="0"/>
+              <a:rPr lang="en-US"/>
               <a:t>Fifth level</a:t>
             </a:r>
             <a:endParaRPr lang="en-US" dirty="0"/>
@@ -548,7 +554,7 @@
           <a:p>
             <a:fld id="{57C4B07C-7E95-4C97-A006-EBD0C7B69BFE}" type="datetimeFigureOut">
               <a:rPr lang="en-GB" smtClean="0"/>
-              <a:t>12/03/2018</a:t>
+              <a:t>13/03/2018</a:t>
             </a:fld>
             <a:endParaRPr lang="en-GB"/>
           </a:p>
@@ -723,7 +729,7 @@
           <a:lstStyle/>
           <a:p>
             <a:r>
-              <a:rPr lang="en-US" smtClean="0"/>
+              <a:rPr lang="en-US"/>
               <a:t>Click to edit Master title style</a:t>
             </a:r>
             <a:endParaRPr lang="en-US" dirty="0"/>
@@ -752,35 +758,35 @@
           <a:p>
             <a:pPr lvl="0"/>
             <a:r>
-              <a:rPr lang="en-US" smtClean="0"/>
+              <a:rPr lang="en-US"/>
               <a:t>Edit Master text styles</a:t>
             </a:r>
           </a:p>
           <a:p>
             <a:pPr lvl="1"/>
             <a:r>
-              <a:rPr lang="en-US" smtClean="0"/>
+              <a:rPr lang="en-US"/>
               <a:t>Second level</a:t>
             </a:r>
           </a:p>
           <a:p>
             <a:pPr lvl="2"/>
             <a:r>
-              <a:rPr lang="en-US" smtClean="0"/>
+              <a:rPr lang="en-US"/>
               <a:t>Third level</a:t>
             </a:r>
           </a:p>
           <a:p>
             <a:pPr lvl="3"/>
             <a:r>
-              <a:rPr lang="en-US" smtClean="0"/>
+              <a:rPr lang="en-US"/>
               <a:t>Fourth level</a:t>
             </a:r>
           </a:p>
           <a:p>
             <a:pPr lvl="4"/>
             <a:r>
-              <a:rPr lang="en-US" smtClean="0"/>
+              <a:rPr lang="en-US"/>
               <a:t>Fifth level</a:t>
             </a:r>
             <a:endParaRPr lang="en-US" dirty="0"/>
@@ -804,7 +810,7 @@
           <a:p>
             <a:fld id="{57C4B07C-7E95-4C97-A006-EBD0C7B69BFE}" type="datetimeFigureOut">
               <a:rPr lang="en-GB" smtClean="0"/>
-              <a:t>12/03/2018</a:t>
+              <a:t>13/03/2018</a:t>
             </a:fld>
             <a:endParaRPr lang="en-GB"/>
           </a:p>
@@ -902,7 +908,7 @@
           </a:lstStyle>
           <a:p>
             <a:r>
-              <a:rPr lang="en-US" smtClean="0"/>
+              <a:rPr lang="en-US"/>
               <a:t>Click to edit Master title style</a:t>
             </a:r>
             <a:endParaRPr lang="en-US" dirty="0"/>
@@ -926,35 +932,35 @@
           <a:p>
             <a:pPr lvl="0"/>
             <a:r>
-              <a:rPr lang="en-US" smtClean="0"/>
+              <a:rPr lang="en-US"/>
               <a:t>Edit Master text styles</a:t>
             </a:r>
           </a:p>
           <a:p>
             <a:pPr lvl="1"/>
             <a:r>
-              <a:rPr lang="en-US" smtClean="0"/>
+              <a:rPr lang="en-US"/>
               <a:t>Second level</a:t>
             </a:r>
           </a:p>
           <a:p>
             <a:pPr lvl="2"/>
             <a:r>
-              <a:rPr lang="en-US" smtClean="0"/>
+              <a:rPr lang="en-US"/>
               <a:t>Third level</a:t>
             </a:r>
           </a:p>
           <a:p>
             <a:pPr lvl="3"/>
             <a:r>
-              <a:rPr lang="en-US" smtClean="0"/>
+              <a:rPr lang="en-US"/>
               <a:t>Fourth level</a:t>
             </a:r>
           </a:p>
           <a:p>
             <a:pPr lvl="4"/>
             <a:r>
-              <a:rPr lang="en-US" smtClean="0"/>
+              <a:rPr lang="en-US"/>
               <a:t>Fifth level</a:t>
             </a:r>
             <a:endParaRPr lang="en-US" dirty="0"/>
@@ -978,7 +984,7 @@
           <a:p>
             <a:fld id="{57C4B07C-7E95-4C97-A006-EBD0C7B69BFE}" type="datetimeFigureOut">
               <a:rPr lang="en-GB" smtClean="0"/>
-              <a:t>12/03/2018</a:t>
+              <a:t>13/03/2018</a:t>
             </a:fld>
             <a:endParaRPr lang="en-GB"/>
           </a:p>
@@ -1177,7 +1183,7 @@
           </a:lstStyle>
           <a:p>
             <a:r>
-              <a:rPr lang="en-US" smtClean="0"/>
+              <a:rPr lang="en-US"/>
               <a:t>Click to edit Master title style</a:t>
             </a:r>
             <a:endParaRPr lang="en-US" dirty="0"/>
@@ -1298,7 +1304,7 @@
           <a:p>
             <a:pPr lvl="0"/>
             <a:r>
-              <a:rPr lang="en-US" smtClean="0"/>
+              <a:rPr lang="en-US"/>
               <a:t>Edit Master text styles</a:t>
             </a:r>
           </a:p>
@@ -1321,7 +1327,7 @@
           <a:p>
             <a:fld id="{57C4B07C-7E95-4C97-A006-EBD0C7B69BFE}" type="datetimeFigureOut">
               <a:rPr lang="en-GB" smtClean="0"/>
-              <a:t>12/03/2018</a:t>
+              <a:t>13/03/2018</a:t>
             </a:fld>
             <a:endParaRPr lang="en-GB"/>
           </a:p>
@@ -1458,7 +1464,7 @@
           <a:lstStyle/>
           <a:p>
             <a:r>
-              <a:rPr lang="en-US" smtClean="0"/>
+              <a:rPr lang="en-US"/>
               <a:t>Click to edit Master title style</a:t>
             </a:r>
             <a:endParaRPr lang="en-US" dirty="0"/>
@@ -1487,35 +1493,35 @@
           <a:p>
             <a:pPr lvl="0"/>
             <a:r>
-              <a:rPr lang="en-US" smtClean="0"/>
+              <a:rPr lang="en-US"/>
               <a:t>Edit Master text styles</a:t>
             </a:r>
           </a:p>
           <a:p>
             <a:pPr lvl="1"/>
             <a:r>
-              <a:rPr lang="en-US" smtClean="0"/>
+              <a:rPr lang="en-US"/>
               <a:t>Second level</a:t>
             </a:r>
           </a:p>
           <a:p>
             <a:pPr lvl="2"/>
             <a:r>
-              <a:rPr lang="en-US" smtClean="0"/>
+              <a:rPr lang="en-US"/>
               <a:t>Third level</a:t>
             </a:r>
           </a:p>
           <a:p>
             <a:pPr lvl="3"/>
             <a:r>
-              <a:rPr lang="en-US" smtClean="0"/>
+              <a:rPr lang="en-US"/>
               <a:t>Fourth level</a:t>
             </a:r>
           </a:p>
           <a:p>
             <a:pPr lvl="4"/>
             <a:r>
-              <a:rPr lang="en-US" smtClean="0"/>
+              <a:rPr lang="en-US"/>
               <a:t>Fifth level</a:t>
             </a:r>
             <a:endParaRPr lang="en-US" dirty="0"/>
@@ -1544,35 +1550,35 @@
           <a:p>
             <a:pPr lvl="0"/>
             <a:r>
-              <a:rPr lang="en-US" smtClean="0"/>
+              <a:rPr lang="en-US"/>
               <a:t>Edit Master text styles</a:t>
             </a:r>
           </a:p>
           <a:p>
             <a:pPr lvl="1"/>
             <a:r>
-              <a:rPr lang="en-US" smtClean="0"/>
+              <a:rPr lang="en-US"/>
               <a:t>Second level</a:t>
             </a:r>
           </a:p>
           <a:p>
             <a:pPr lvl="2"/>
             <a:r>
-              <a:rPr lang="en-US" smtClean="0"/>
+              <a:rPr lang="en-US"/>
               <a:t>Third level</a:t>
             </a:r>
           </a:p>
           <a:p>
             <a:pPr lvl="3"/>
             <a:r>
-              <a:rPr lang="en-US" smtClean="0"/>
+              <a:rPr lang="en-US"/>
               <a:t>Fourth level</a:t>
             </a:r>
           </a:p>
           <a:p>
             <a:pPr lvl="4"/>
             <a:r>
-              <a:rPr lang="en-US" smtClean="0"/>
+              <a:rPr lang="en-US"/>
               <a:t>Fifth level</a:t>
             </a:r>
             <a:endParaRPr lang="en-US" dirty="0"/>
@@ -1596,7 +1602,7 @@
           <a:p>
             <a:fld id="{57C4B07C-7E95-4C97-A006-EBD0C7B69BFE}" type="datetimeFigureOut">
               <a:rPr lang="en-GB" smtClean="0"/>
-              <a:t>12/03/2018</a:t>
+              <a:t>13/03/2018</a:t>
             </a:fld>
             <a:endParaRPr lang="en-GB"/>
           </a:p>
@@ -1695,7 +1701,7 @@
           <a:lstStyle/>
           <a:p>
             <a:r>
-              <a:rPr lang="en-US" smtClean="0"/>
+              <a:rPr lang="en-US"/>
               <a:t>Click to edit Master title style</a:t>
             </a:r>
             <a:endParaRPr lang="en-US" dirty="0"/>
@@ -1767,7 +1773,7 @@
           <a:p>
             <a:pPr lvl="0"/>
             <a:r>
-              <a:rPr lang="en-US" smtClean="0"/>
+              <a:rPr lang="en-US"/>
               <a:t>Edit Master text styles</a:t>
             </a:r>
           </a:p>
@@ -1795,35 +1801,35 @@
           <a:p>
             <a:pPr lvl="0"/>
             <a:r>
-              <a:rPr lang="en-US" smtClean="0"/>
+              <a:rPr lang="en-US"/>
               <a:t>Edit Master text styles</a:t>
             </a:r>
           </a:p>
           <a:p>
             <a:pPr lvl="1"/>
             <a:r>
-              <a:rPr lang="en-US" smtClean="0"/>
+              <a:rPr lang="en-US"/>
               <a:t>Second level</a:t>
             </a:r>
           </a:p>
           <a:p>
             <a:pPr lvl="2"/>
             <a:r>
-              <a:rPr lang="en-US" smtClean="0"/>
+              <a:rPr lang="en-US"/>
               <a:t>Third level</a:t>
             </a:r>
           </a:p>
           <a:p>
             <a:pPr lvl="3"/>
             <a:r>
-              <a:rPr lang="en-US" smtClean="0"/>
+              <a:rPr lang="en-US"/>
               <a:t>Fourth level</a:t>
             </a:r>
           </a:p>
           <a:p>
             <a:pPr lvl="4"/>
             <a:r>
-              <a:rPr lang="en-US" smtClean="0"/>
+              <a:rPr lang="en-US"/>
               <a:t>Fifth level</a:t>
             </a:r>
             <a:endParaRPr lang="en-US" dirty="0"/>
@@ -1895,7 +1901,7 @@
           <a:p>
             <a:pPr lvl="0"/>
             <a:r>
-              <a:rPr lang="en-US" smtClean="0"/>
+              <a:rPr lang="en-US"/>
               <a:t>Edit Master text styles</a:t>
             </a:r>
           </a:p>
@@ -1923,35 +1929,35 @@
           <a:p>
             <a:pPr lvl="0"/>
             <a:r>
-              <a:rPr lang="en-US" smtClean="0"/>
+              <a:rPr lang="en-US"/>
               <a:t>Edit Master text styles</a:t>
             </a:r>
           </a:p>
           <a:p>
             <a:pPr lvl="1"/>
             <a:r>
-              <a:rPr lang="en-US" smtClean="0"/>
+              <a:rPr lang="en-US"/>
               <a:t>Second level</a:t>
             </a:r>
           </a:p>
           <a:p>
             <a:pPr lvl="2"/>
             <a:r>
-              <a:rPr lang="en-US" smtClean="0"/>
+              <a:rPr lang="en-US"/>
               <a:t>Third level</a:t>
             </a:r>
           </a:p>
           <a:p>
             <a:pPr lvl="3"/>
             <a:r>
-              <a:rPr lang="en-US" smtClean="0"/>
+              <a:rPr lang="en-US"/>
               <a:t>Fourth level</a:t>
             </a:r>
           </a:p>
           <a:p>
             <a:pPr lvl="4"/>
             <a:r>
-              <a:rPr lang="en-US" smtClean="0"/>
+              <a:rPr lang="en-US"/>
               <a:t>Fifth level</a:t>
             </a:r>
             <a:endParaRPr lang="en-US" dirty="0"/>
@@ -1975,7 +1981,7 @@
           <a:p>
             <a:fld id="{57C4B07C-7E95-4C97-A006-EBD0C7B69BFE}" type="datetimeFigureOut">
               <a:rPr lang="en-GB" smtClean="0"/>
-              <a:t>12/03/2018</a:t>
+              <a:t>13/03/2018</a:t>
             </a:fld>
             <a:endParaRPr lang="en-GB"/>
           </a:p>
@@ -2069,7 +2075,7 @@
           <a:lstStyle/>
           <a:p>
             <a:r>
-              <a:rPr lang="en-US" smtClean="0"/>
+              <a:rPr lang="en-US"/>
               <a:t>Click to edit Master title style</a:t>
             </a:r>
             <a:endParaRPr lang="en-US" dirty="0"/>
@@ -2093,7 +2099,7 @@
           <a:p>
             <a:fld id="{57C4B07C-7E95-4C97-A006-EBD0C7B69BFE}" type="datetimeFigureOut">
               <a:rPr lang="en-GB" smtClean="0"/>
-              <a:t>12/03/2018</a:t>
+              <a:t>13/03/2018</a:t>
             </a:fld>
             <a:endParaRPr lang="en-GB"/>
           </a:p>
@@ -2264,7 +2270,7 @@
           <a:p>
             <a:fld id="{57C4B07C-7E95-4C97-A006-EBD0C7B69BFE}" type="datetimeFigureOut">
               <a:rPr lang="en-GB" smtClean="0"/>
-              <a:t>12/03/2018</a:t>
+              <a:t>13/03/2018</a:t>
             </a:fld>
             <a:endParaRPr lang="en-GB"/>
           </a:p>
@@ -2457,7 +2463,7 @@
           </a:lstStyle>
           <a:p>
             <a:r>
-              <a:rPr lang="en-US" smtClean="0"/>
+              <a:rPr lang="en-US"/>
               <a:t>Click to edit Master title style</a:t>
             </a:r>
             <a:endParaRPr lang="en-US" dirty="0"/>
@@ -2486,35 +2492,35 @@
           <a:p>
             <a:pPr lvl="0"/>
             <a:r>
-              <a:rPr lang="en-US" smtClean="0"/>
+              <a:rPr lang="en-US"/>
               <a:t>Edit Master text styles</a:t>
             </a:r>
           </a:p>
           <a:p>
             <a:pPr lvl="1"/>
             <a:r>
-              <a:rPr lang="en-US" smtClean="0"/>
+              <a:rPr lang="en-US"/>
               <a:t>Second level</a:t>
             </a:r>
           </a:p>
           <a:p>
             <a:pPr lvl="2"/>
             <a:r>
-              <a:rPr lang="en-US" smtClean="0"/>
+              <a:rPr lang="en-US"/>
               <a:t>Third level</a:t>
             </a:r>
           </a:p>
           <a:p>
             <a:pPr lvl="3"/>
             <a:r>
-              <a:rPr lang="en-US" smtClean="0"/>
+              <a:rPr lang="en-US"/>
               <a:t>Fourth level</a:t>
             </a:r>
           </a:p>
           <a:p>
             <a:pPr lvl="4"/>
             <a:r>
-              <a:rPr lang="en-US" smtClean="0"/>
+              <a:rPr lang="en-US"/>
               <a:t>Fifth level</a:t>
             </a:r>
             <a:endParaRPr lang="en-US" dirty="0"/>
@@ -2586,7 +2592,7 @@
           <a:p>
             <a:pPr lvl="0"/>
             <a:r>
-              <a:rPr lang="en-US" smtClean="0"/>
+              <a:rPr lang="en-US"/>
               <a:t>Edit Master text styles</a:t>
             </a:r>
           </a:p>
@@ -2618,7 +2624,7 @@
           <a:p>
             <a:fld id="{57C4B07C-7E95-4C97-A006-EBD0C7B69BFE}" type="datetimeFigureOut">
               <a:rPr lang="en-GB" smtClean="0"/>
-              <a:t>12/03/2018</a:t>
+              <a:t>13/03/2018</a:t>
             </a:fld>
             <a:endParaRPr lang="en-GB"/>
           </a:p>
@@ -2824,7 +2830,7 @@
           </a:lstStyle>
           <a:p>
             <a:r>
-              <a:rPr lang="en-US" smtClean="0"/>
+              <a:rPr lang="en-US"/>
               <a:t>Click to edit Master title style</a:t>
             </a:r>
             <a:endParaRPr lang="en-US" dirty="0"/>
@@ -2899,7 +2905,7 @@
           </a:lstStyle>
           <a:p>
             <a:r>
-              <a:rPr lang="en-US" smtClean="0"/>
+              <a:rPr lang="en-US"/>
               <a:t>Click icon to add picture</a:t>
             </a:r>
             <a:endParaRPr lang="en-US" dirty="0"/>
@@ -2977,7 +2983,7 @@
           <a:p>
             <a:pPr lvl="0"/>
             <a:r>
-              <a:rPr lang="en-US" smtClean="0"/>
+              <a:rPr lang="en-US"/>
               <a:t>Edit Master text styles</a:t>
             </a:r>
           </a:p>
@@ -3000,7 +3006,7 @@
           <a:p>
             <a:fld id="{57C4B07C-7E95-4C97-A006-EBD0C7B69BFE}" type="datetimeFigureOut">
               <a:rPr lang="en-GB" smtClean="0"/>
-              <a:t>12/03/2018</a:t>
+              <a:t>13/03/2018</a:t>
             </a:fld>
             <a:endParaRPr lang="en-GB"/>
           </a:p>
@@ -3185,7 +3191,7 @@
           <a:lstStyle/>
           <a:p>
             <a:r>
-              <a:rPr lang="en-US" smtClean="0"/>
+              <a:rPr lang="en-US"/>
               <a:t>Click to edit Master title style</a:t>
             </a:r>
             <a:endParaRPr lang="en-US" dirty="0"/>
@@ -3219,35 +3225,35 @@
           <a:p>
             <a:pPr lvl="0"/>
             <a:r>
-              <a:rPr lang="en-US" smtClean="0"/>
+              <a:rPr lang="en-US"/>
               <a:t>Edit Master text styles</a:t>
             </a:r>
           </a:p>
           <a:p>
             <a:pPr lvl="1"/>
             <a:r>
-              <a:rPr lang="en-US" smtClean="0"/>
+              <a:rPr lang="en-US"/>
               <a:t>Second level</a:t>
             </a:r>
           </a:p>
           <a:p>
             <a:pPr lvl="2"/>
             <a:r>
-              <a:rPr lang="en-US" smtClean="0"/>
+              <a:rPr lang="en-US"/>
               <a:t>Third level</a:t>
             </a:r>
           </a:p>
           <a:p>
             <a:pPr lvl="3"/>
             <a:r>
-              <a:rPr lang="en-US" smtClean="0"/>
+              <a:rPr lang="en-US"/>
               <a:t>Fourth level</a:t>
             </a:r>
           </a:p>
           <a:p>
             <a:pPr lvl="4"/>
             <a:r>
-              <a:rPr lang="en-US" smtClean="0"/>
+              <a:rPr lang="en-US"/>
               <a:t>Fifth level</a:t>
             </a:r>
             <a:endParaRPr lang="en-US" dirty="0"/>
@@ -3287,7 +3293,7 @@
           <a:p>
             <a:fld id="{57C4B07C-7E95-4C97-A006-EBD0C7B69BFE}" type="datetimeFigureOut">
               <a:rPr lang="en-GB" smtClean="0"/>
-              <a:t>12/03/2018</a:t>
+              <a:t>13/03/2018</a:t>
             </a:fld>
             <a:endParaRPr lang="en-GB"/>
           </a:p>
@@ -3836,37 +3842,8 @@
             <a:pPr algn="ctr"/>
             <a:r>
               <a:rPr lang="en-GB" sz="6000" dirty="0"/>
-              <a:t>Is it </a:t>
-            </a:r>
-            <a:r>
-              <a:rPr lang="en-GB" sz="6000" dirty="0" smtClean="0"/>
-              <a:t>Viable </a:t>
-            </a:r>
-            <a:r>
-              <a:rPr lang="en-GB" sz="6000" dirty="0"/>
-              <a:t>to </a:t>
-            </a:r>
-            <a:r>
-              <a:rPr lang="en-GB" sz="6000" dirty="0" smtClean="0"/>
-              <a:t>use Continuous Integration </a:t>
-            </a:r>
-            <a:r>
-              <a:rPr lang="en-GB" sz="6000" dirty="0"/>
-              <a:t>to </a:t>
-            </a:r>
-            <a:r>
-              <a:rPr lang="en-GB" sz="6000" dirty="0" smtClean="0"/>
-              <a:t>Reduce Development Time </a:t>
-            </a:r>
-            <a:r>
-              <a:rPr lang="en-GB" sz="6000" dirty="0"/>
-              <a:t>for </a:t>
-            </a:r>
-            <a:r>
-              <a:rPr lang="en-GB" sz="6000" dirty="0" smtClean="0"/>
-              <a:t>an RPG?</a:t>
-            </a:r>
-            <a:endParaRPr lang="en-GB" sz="6000" dirty="0"/>
+              <a:t>Is it Viable to use Continuous Integration to Reduce Development Time for an RPG?</a:t>
+            </a:r>
           </a:p>
         </p:txBody>
       </p:sp>
@@ -3891,10 +3868,9 @@
           <a:lstStyle/>
           <a:p>
             <a:r>
-              <a:rPr lang="en-GB" dirty="0" smtClean="0"/>
+              <a:rPr lang="en-GB" dirty="0"/>
               <a:t>Mango Gilchrist</a:t>
             </a:r>
-            <a:endParaRPr lang="en-GB" dirty="0"/>
           </a:p>
         </p:txBody>
       </p:sp>
@@ -3944,10 +3920,9 @@
           <a:lstStyle/>
           <a:p>
             <a:r>
-              <a:rPr lang="en-GB" dirty="0" smtClean="0"/>
+              <a:rPr lang="en-GB" dirty="0"/>
               <a:t>What is Continuous Integration?</a:t>
             </a:r>
-            <a:endParaRPr lang="en-GB" dirty="0"/>
           </a:p>
         </p:txBody>
       </p:sp>
@@ -3960,7 +3935,7 @@
         <p:spPr>
           <a:xfrm>
             <a:off x="947351" y="2652584"/>
-            <a:ext cx="10165492" cy="2585323"/>
+            <a:ext cx="10165492" cy="2954655"/>
           </a:xfrm>
           <a:prstGeom prst="rect">
             <a:avLst/>
@@ -3978,25 +3953,8 @@
               <a:buChar char="•"/>
             </a:pPr>
             <a:r>
-              <a:rPr lang="en-GB" sz="2400" dirty="0" smtClean="0"/>
+              <a:rPr lang="en-GB" sz="2400" dirty="0"/>
               <a:t>Developers commit code to the development branch early and often (Ideally multiple times a day.</a:t>
-            </a:r>
-          </a:p>
-          <a:p>
-            <a:pPr marL="285750" indent="-285750">
-              <a:buFont typeface="Arial" panose="020B0604020202020204" pitchFamily="34" charset="0"/>
-              <a:buChar char="•"/>
-            </a:pPr>
-            <a:endParaRPr lang="en-GB" sz="2400" dirty="0" smtClean="0"/>
-          </a:p>
-          <a:p>
-            <a:pPr marL="285750" indent="-285750">
-              <a:buFont typeface="Arial" panose="020B0604020202020204" pitchFamily="34" charset="0"/>
-              <a:buChar char="•"/>
-            </a:pPr>
-            <a:r>
-              <a:rPr lang="en-GB" sz="2400" dirty="0" smtClean="0"/>
-              <a:t>The code is build and tested to ensure it is fit for integration.</a:t>
             </a:r>
           </a:p>
           <a:p>
@@ -4012,12 +3970,29 @@
               <a:buChar char="•"/>
             </a:pPr>
             <a:r>
-              <a:rPr lang="en-GB" sz="2400" dirty="0" smtClean="0"/>
-              <a:t>This will usually be carried out by an automated testing process.</a:t>
-            </a:r>
-          </a:p>
-          <a:p>
-            <a:endParaRPr lang="en-GB" dirty="0" smtClean="0"/>
+              <a:rPr lang="en-GB" sz="2400" dirty="0"/>
+              <a:t>The code is automatically built after it is committed.</a:t>
+            </a:r>
+          </a:p>
+          <a:p>
+            <a:pPr marL="285750" indent="-285750">
+              <a:buFont typeface="Arial" panose="020B0604020202020204" pitchFamily="34" charset="0"/>
+              <a:buChar char="•"/>
+            </a:pPr>
+            <a:endParaRPr lang="en-GB" sz="2400" dirty="0"/>
+          </a:p>
+          <a:p>
+            <a:pPr marL="285750" indent="-285750">
+              <a:buFont typeface="Arial" panose="020B0604020202020204" pitchFamily="34" charset="0"/>
+              <a:buChar char="•"/>
+            </a:pPr>
+            <a:r>
+              <a:rPr lang="en-GB" sz="2400" dirty="0"/>
+              <a:t>Tests should then be run - often by an automated testing process - to ensure successful integration.</a:t>
+            </a:r>
+          </a:p>
+          <a:p>
+            <a:endParaRPr lang="en-GB" dirty="0"/>
           </a:p>
         </p:txBody>
       </p:sp>
@@ -4068,13 +4043,8 @@
           <a:p>
             <a:r>
               <a:rPr lang="en-GB" dirty="0"/>
-              <a:t>B</a:t>
-            </a:r>
-            <a:r>
-              <a:rPr lang="en-GB" dirty="0" smtClean="0"/>
-              <a:t>enefits</a:t>
-            </a:r>
-            <a:endParaRPr lang="en-GB" dirty="0"/>
+              <a:t>Benefits</a:t>
+            </a:r>
           </a:p>
         </p:txBody>
       </p:sp>
@@ -4105,42 +4075,8 @@
               <a:buChar char="•"/>
             </a:pPr>
             <a:r>
-              <a:rPr lang="en-GB" sz="2400" dirty="0" smtClean="0"/>
+              <a:rPr lang="en-GB" sz="2400" dirty="0"/>
               <a:t>Avoids “Integration Hell”.</a:t>
-            </a:r>
-          </a:p>
-          <a:p>
-            <a:pPr marL="285750" indent="-285750">
-              <a:buFont typeface="Arial" panose="020B0604020202020204" pitchFamily="34" charset="0"/>
-              <a:buChar char="•"/>
-            </a:pPr>
-            <a:endParaRPr lang="en-GB" sz="2400" dirty="0" smtClean="0"/>
-          </a:p>
-          <a:p>
-            <a:pPr marL="285750" indent="-285750">
-              <a:buFont typeface="Arial" panose="020B0604020202020204" pitchFamily="34" charset="0"/>
-              <a:buChar char="•"/>
-            </a:pPr>
-            <a:r>
-              <a:rPr lang="en-GB" sz="2400" dirty="0" smtClean="0"/>
-              <a:t>Fast identification of issues allows them to be solved early.</a:t>
-            </a:r>
-          </a:p>
-          <a:p>
-            <a:pPr marL="285750" indent="-285750">
-              <a:buFont typeface="Arial" panose="020B0604020202020204" pitchFamily="34" charset="0"/>
-              <a:buChar char="•"/>
-            </a:pPr>
-            <a:endParaRPr lang="en-GB" sz="2400" dirty="0" smtClean="0"/>
-          </a:p>
-          <a:p>
-            <a:pPr marL="285750" indent="-285750">
-              <a:buFont typeface="Arial" panose="020B0604020202020204" pitchFamily="34" charset="0"/>
-              <a:buChar char="•"/>
-            </a:pPr>
-            <a:r>
-              <a:rPr lang="en-GB" sz="2400" dirty="0" smtClean="0"/>
-              <a:t>Increases transparency of development.</a:t>
             </a:r>
           </a:p>
           <a:p>
@@ -4156,7 +4092,41 @@
               <a:buChar char="•"/>
             </a:pPr>
             <a:r>
-              <a:rPr lang="en-GB" sz="2400" dirty="0" smtClean="0"/>
+              <a:rPr lang="en-GB" sz="2400" dirty="0"/>
+              <a:t>Fast identification of issues allows them to be solved early.</a:t>
+            </a:r>
+          </a:p>
+          <a:p>
+            <a:pPr marL="285750" indent="-285750">
+              <a:buFont typeface="Arial" panose="020B0604020202020204" pitchFamily="34" charset="0"/>
+              <a:buChar char="•"/>
+            </a:pPr>
+            <a:endParaRPr lang="en-GB" sz="2400" dirty="0"/>
+          </a:p>
+          <a:p>
+            <a:pPr marL="285750" indent="-285750">
+              <a:buFont typeface="Arial" panose="020B0604020202020204" pitchFamily="34" charset="0"/>
+              <a:buChar char="•"/>
+            </a:pPr>
+            <a:r>
+              <a:rPr lang="en-GB" sz="2400" dirty="0"/>
+              <a:t>Increases transparency of development.</a:t>
+            </a:r>
+          </a:p>
+          <a:p>
+            <a:pPr marL="285750" indent="-285750">
+              <a:buFont typeface="Arial" panose="020B0604020202020204" pitchFamily="34" charset="0"/>
+              <a:buChar char="•"/>
+            </a:pPr>
+            <a:endParaRPr lang="en-GB" sz="2400" dirty="0"/>
+          </a:p>
+          <a:p>
+            <a:pPr marL="285750" indent="-285750">
+              <a:buFont typeface="Arial" panose="020B0604020202020204" pitchFamily="34" charset="0"/>
+              <a:buChar char="•"/>
+            </a:pPr>
+            <a:r>
+              <a:rPr lang="en-GB" sz="2400" dirty="0"/>
               <a:t>Less bugs and faster integration leads to a shorter development time.</a:t>
             </a:r>
           </a:p>
@@ -4208,10 +4178,9 @@
           <a:lstStyle/>
           <a:p>
             <a:r>
-              <a:rPr lang="en-GB" dirty="0" smtClean="0"/>
+              <a:rPr lang="en-GB" dirty="0"/>
               <a:t>Drawbacks</a:t>
             </a:r>
-            <a:endParaRPr lang="en-GB" dirty="0"/>
           </a:p>
         </p:txBody>
       </p:sp>
@@ -4224,7 +4193,7 @@
         <p:spPr>
           <a:xfrm>
             <a:off x="947351" y="2652584"/>
-            <a:ext cx="8279027" cy="1938992"/>
+            <a:ext cx="8279027" cy="2308324"/>
           </a:xfrm>
           <a:prstGeom prst="rect">
             <a:avLst/>
@@ -4242,8 +4211,8 @@
               <a:buChar char="•"/>
             </a:pPr>
             <a:r>
-              <a:rPr lang="en-GB" sz="2000" dirty="0" smtClean="0"/>
-              <a:t>Initial setup period.</a:t>
+              <a:rPr lang="en-GB" sz="2400" dirty="0"/>
+              <a:t>Initial setup period and adjusting workflow.</a:t>
             </a:r>
           </a:p>
           <a:p>
@@ -4251,7 +4220,7 @@
               <a:buFont typeface="Arial" panose="020B0604020202020204" pitchFamily="34" charset="0"/>
               <a:buChar char="•"/>
             </a:pPr>
-            <a:endParaRPr lang="en-GB" sz="2000" dirty="0"/>
+            <a:endParaRPr lang="en-GB" sz="2400" dirty="0"/>
           </a:p>
           <a:p>
             <a:pPr marL="285750" indent="-285750">
@@ -4259,7 +4228,7 @@
               <a:buChar char="•"/>
             </a:pPr>
             <a:r>
-              <a:rPr lang="en-GB" sz="2000" dirty="0" smtClean="0"/>
+              <a:rPr lang="en-GB" sz="2400" dirty="0"/>
               <a:t>Building the code can take a long time.</a:t>
             </a:r>
           </a:p>
@@ -4268,7 +4237,7 @@
               <a:buFont typeface="Arial" panose="020B0604020202020204" pitchFamily="34" charset="0"/>
               <a:buChar char="•"/>
             </a:pPr>
-            <a:endParaRPr lang="en-GB" sz="2000" dirty="0"/>
+            <a:endParaRPr lang="en-GB" sz="2400" dirty="0"/>
           </a:p>
           <a:p>
             <a:pPr marL="285750" indent="-285750">
@@ -4276,8 +4245,8 @@
               <a:buChar char="•"/>
             </a:pPr>
             <a:r>
-              <a:rPr lang="en-GB" sz="2000" dirty="0" smtClean="0"/>
-              <a:t>CI requires tests to function efficiently. Tests take time to write and may not be suitable for some software.</a:t>
+              <a:rPr lang="en-GB" sz="2400" dirty="0"/>
+              <a:t>CI requires tests to function efficiently. Fully automated tests can take a long time to construct.</a:t>
             </a:r>
           </a:p>
         </p:txBody>
@@ -4328,10 +4297,9 @@
           <a:lstStyle/>
           <a:p>
             <a:r>
-              <a:rPr lang="en-GB" dirty="0" smtClean="0"/>
+              <a:rPr lang="en-GB" dirty="0"/>
               <a:t>In the Games Industry</a:t>
             </a:r>
-            <a:endParaRPr lang="en-GB" dirty="0"/>
           </a:p>
         </p:txBody>
       </p:sp>
@@ -4344,7 +4312,7 @@
         <p:spPr>
           <a:xfrm>
             <a:off x="947351" y="2652584"/>
-            <a:ext cx="8279027" cy="1600438"/>
+            <a:ext cx="8279027" cy="2954655"/>
           </a:xfrm>
           <a:prstGeom prst="rect">
             <a:avLst/>
@@ -4362,7 +4330,7 @@
               <a:buChar char="•"/>
             </a:pPr>
             <a:r>
-              <a:rPr lang="en-GB" sz="2000" dirty="0" smtClean="0"/>
+              <a:rPr lang="en-GB" sz="2400" dirty="0"/>
               <a:t>Writing tests for games is less simple than with traditional enterprise software.</a:t>
             </a:r>
           </a:p>
@@ -4371,7 +4339,7 @@
               <a:buFont typeface="Arial" panose="020B0604020202020204" pitchFamily="34" charset="0"/>
               <a:buChar char="•"/>
             </a:pPr>
-            <a:endParaRPr lang="en-GB" sz="2000" dirty="0"/>
+            <a:endParaRPr lang="en-GB" sz="2400" dirty="0"/>
           </a:p>
           <a:p>
             <a:pPr marL="285750" indent="-285750">
@@ -4379,7 +4347,24 @@
               <a:buChar char="•"/>
             </a:pPr>
             <a:r>
-              <a:rPr lang="en-GB" sz="2000" dirty="0" smtClean="0"/>
+              <a:rPr lang="en-GB" sz="2400" dirty="0"/>
+              <a:t>Complex logic and human aspects such as testing how “fun” the game is.</a:t>
+            </a:r>
+          </a:p>
+          <a:p>
+            <a:pPr marL="285750" indent="-285750">
+              <a:buFont typeface="Arial" panose="020B0604020202020204" pitchFamily="34" charset="0"/>
+              <a:buChar char="•"/>
+            </a:pPr>
+            <a:endParaRPr lang="en-GB" sz="2400" dirty="0"/>
+          </a:p>
+          <a:p>
+            <a:pPr marL="285750" indent="-285750">
+              <a:buFont typeface="Arial" panose="020B0604020202020204" pitchFamily="34" charset="0"/>
+              <a:buChar char="•"/>
+            </a:pPr>
+            <a:r>
+              <a:rPr lang="en-GB" sz="2400" dirty="0"/>
               <a:t>Games can take an especially long time to build.</a:t>
             </a:r>
           </a:p>
@@ -4438,10 +4423,9 @@
           <a:lstStyle/>
           <a:p>
             <a:r>
-              <a:rPr lang="en-GB" dirty="0" smtClean="0"/>
+              <a:rPr lang="en-GB" dirty="0"/>
               <a:t>In a Role Playing Game Project</a:t>
             </a:r>
-            <a:endParaRPr lang="en-GB" dirty="0"/>
           </a:p>
         </p:txBody>
       </p:sp>
@@ -4454,7 +4438,7 @@
         <p:spPr>
           <a:xfrm>
             <a:off x="947351" y="2652584"/>
-            <a:ext cx="9654746" cy="2523768"/>
+            <a:ext cx="9654746" cy="3323987"/>
           </a:xfrm>
           <a:prstGeom prst="rect">
             <a:avLst/>
@@ -4472,7 +4456,7 @@
               <a:buChar char="•"/>
             </a:pPr>
             <a:r>
-              <a:rPr lang="en-GB" sz="2000" dirty="0" smtClean="0"/>
+              <a:rPr lang="en-GB" sz="2400" dirty="0"/>
               <a:t>Compared to other games, RPG’s often emphasise story elements and player choice – difficult testing requirements.</a:t>
             </a:r>
           </a:p>
@@ -4481,7 +4465,7 @@
               <a:buFont typeface="Arial" panose="020B0604020202020204" pitchFamily="34" charset="0"/>
               <a:buChar char="•"/>
             </a:pPr>
-            <a:endParaRPr lang="en-GB" sz="2000" dirty="0"/>
+            <a:endParaRPr lang="en-GB" sz="2400" dirty="0"/>
           </a:p>
           <a:p>
             <a:pPr marL="285750" indent="-285750">
@@ -4489,7 +4473,7 @@
               <a:buChar char="•"/>
             </a:pPr>
             <a:r>
-              <a:rPr lang="en-GB" sz="2000" dirty="0" smtClean="0"/>
+              <a:rPr lang="en-GB" sz="2400" dirty="0"/>
               <a:t>Often large-scope games with large amounts of content which leads to longer builds.</a:t>
             </a:r>
           </a:p>
@@ -4498,7 +4482,7 @@
               <a:buFont typeface="Arial" panose="020B0604020202020204" pitchFamily="34" charset="0"/>
               <a:buChar char="•"/>
             </a:pPr>
-            <a:endParaRPr lang="en-GB" sz="2000" dirty="0"/>
+            <a:endParaRPr lang="en-GB" sz="2400" dirty="0"/>
           </a:p>
           <a:p>
             <a:pPr marL="285750" indent="-285750">
@@ -4506,12 +4490,12 @@
               <a:buChar char="•"/>
             </a:pPr>
             <a:r>
-              <a:rPr lang="en-GB" sz="2000" dirty="0" smtClean="0"/>
+              <a:rPr lang="en-GB" sz="2400" dirty="0"/>
               <a:t>Larger development teams means more commits and more potential for errors without good CI.</a:t>
             </a:r>
           </a:p>
           <a:p>
-            <a:endParaRPr lang="en-GB" dirty="0" smtClean="0"/>
+            <a:endParaRPr lang="en-GB" dirty="0"/>
           </a:p>
         </p:txBody>
       </p:sp>
@@ -4561,10 +4545,9 @@
           <a:lstStyle/>
           <a:p>
             <a:r>
-              <a:rPr lang="en-GB" dirty="0" smtClean="0"/>
+              <a:rPr lang="en-GB" dirty="0"/>
               <a:t>Conclusions</a:t>
             </a:r>
-            <a:endParaRPr lang="en-GB" dirty="0"/>
           </a:p>
         </p:txBody>
       </p:sp>
@@ -4577,7 +4560,7 @@
         <p:spPr>
           <a:xfrm>
             <a:off x="947351" y="2652584"/>
-            <a:ext cx="9613557" cy="2308324"/>
+            <a:ext cx="9613557" cy="3416320"/>
           </a:xfrm>
           <a:prstGeom prst="rect">
             <a:avLst/>
@@ -4595,8 +4578,8 @@
               <a:buChar char="•"/>
             </a:pPr>
             <a:r>
-              <a:rPr lang="en-GB" dirty="0" smtClean="0"/>
-              <a:t>Very viable with some caveats.</a:t>
+              <a:rPr lang="en-GB" sz="2400" dirty="0"/>
+              <a:t>Useful in large teams where merge errors can cause serious issues.</a:t>
             </a:r>
           </a:p>
           <a:p>
@@ -4604,7 +4587,7 @@
               <a:buFont typeface="Arial" panose="020B0604020202020204" pitchFamily="34" charset="0"/>
               <a:buChar char="•"/>
             </a:pPr>
-            <a:endParaRPr lang="en-GB" dirty="0" smtClean="0"/>
+            <a:endParaRPr lang="en-GB" sz="2400" dirty="0"/>
           </a:p>
           <a:p>
             <a:pPr marL="285750" indent="-285750">
@@ -4612,8 +4595,8 @@
               <a:buChar char="•"/>
             </a:pPr>
             <a:r>
-              <a:rPr lang="en-GB" dirty="0" smtClean="0"/>
-              <a:t>Use minimal builds during the day to keep integration fast and do full builds at night.</a:t>
+              <a:rPr lang="en-GB" sz="2400" dirty="0"/>
+              <a:t>However, can be complex to set up and automate, could be unnecessary for smaller projects.</a:t>
             </a:r>
           </a:p>
           <a:p>
@@ -4621,7 +4604,7 @@
               <a:buFont typeface="Arial" panose="020B0604020202020204" pitchFamily="34" charset="0"/>
               <a:buChar char="•"/>
             </a:pPr>
-            <a:endParaRPr lang="en-GB" dirty="0"/>
+            <a:endParaRPr lang="en-GB" sz="2400" dirty="0"/>
           </a:p>
           <a:p>
             <a:pPr marL="285750" indent="-285750">
@@ -4629,8 +4612,8 @@
               <a:buChar char="•"/>
             </a:pPr>
             <a:r>
-              <a:rPr lang="en-GB" dirty="0" smtClean="0"/>
-              <a:t>Many tests can still work for game projects – prioritise the tests needed to ensure integration.</a:t>
+              <a:rPr lang="en-GB" sz="2400" dirty="0"/>
+              <a:t>Relevant for games development as the need for playable builds and demo’s is supported and encouraged by CI.</a:t>
             </a:r>
           </a:p>
           <a:p>
@@ -4638,24 +4621,14 @@
               <a:buFont typeface="Arial" panose="020B0604020202020204" pitchFamily="34" charset="0"/>
               <a:buChar char="•"/>
             </a:pPr>
-            <a:endParaRPr lang="en-GB" dirty="0"/>
+            <a:endParaRPr lang="en-GB" sz="2400" dirty="0"/>
           </a:p>
           <a:p>
             <a:pPr marL="285750" indent="-285750">
               <a:buFont typeface="Arial" panose="020B0604020202020204" pitchFamily="34" charset="0"/>
               <a:buChar char="•"/>
             </a:pPr>
-            <a:r>
-              <a:rPr lang="en-GB" dirty="0" smtClean="0"/>
-              <a:t>Most useful in large projects where merge conflicts can cause major issues.</a:t>
-            </a:r>
-          </a:p>
-          <a:p>
-            <a:pPr marL="285750" indent="-285750">
-              <a:buFont typeface="Arial" panose="020B0604020202020204" pitchFamily="34" charset="0"/>
-              <a:buChar char="•"/>
-            </a:pPr>
-            <a:endParaRPr lang="en-GB" dirty="0" smtClean="0"/>
+            <a:endParaRPr lang="en-GB" sz="2400" dirty="0"/>
           </a:p>
         </p:txBody>
       </p:sp>
@@ -4691,6 +4664,134 @@
       </p:grpSpPr>
       <p:sp>
         <p:nvSpPr>
+          <p:cNvPr id="2" name="Title 1">
+            <a:extLst>
+              <a:ext uri="{FF2B5EF4-FFF2-40B4-BE49-F238E27FC236}">
+                <a16:creationId xmlns:a16="http://schemas.microsoft.com/office/drawing/2014/main" id="{455B5406-28F7-4768-85AB-9C948B1EA1AD}"/>
+              </a:ext>
+            </a:extLst>
+          </p:cNvPr>
+          <p:cNvSpPr>
+            <a:spLocks noGrp="1"/>
+          </p:cNvSpPr>
+          <p:nvPr>
+            <p:ph type="title"/>
+          </p:nvPr>
+        </p:nvSpPr>
+        <p:spPr/>
+        <p:txBody>
+          <a:bodyPr/>
+          <a:lstStyle/>
+          <a:p>
+            <a:r>
+              <a:rPr lang="en-GB" dirty="0"/>
+              <a:t>Conclusions</a:t>
+            </a:r>
+          </a:p>
+        </p:txBody>
+      </p:sp>
+      <p:sp>
+        <p:nvSpPr>
+          <p:cNvPr id="6" name="TextBox 5">
+            <a:extLst>
+              <a:ext uri="{FF2B5EF4-FFF2-40B4-BE49-F238E27FC236}">
+                <a16:creationId xmlns:a16="http://schemas.microsoft.com/office/drawing/2014/main" id="{C290B322-0522-4E78-9DCE-3F56C3B9CD51}"/>
+              </a:ext>
+            </a:extLst>
+          </p:cNvPr>
+          <p:cNvSpPr txBox="1"/>
+          <p:nvPr/>
+        </p:nvSpPr>
+        <p:spPr>
+          <a:xfrm>
+            <a:off x="947351" y="2652584"/>
+            <a:ext cx="9613557" cy="2677656"/>
+          </a:xfrm>
+          <a:prstGeom prst="rect">
+            <a:avLst/>
+          </a:prstGeom>
+          <a:noFill/>
+        </p:spPr>
+        <p:txBody>
+          <a:bodyPr wrap="square" rtlCol="0">
+            <a:spAutoFit/>
+          </a:bodyPr>
+          <a:lstStyle/>
+          <a:p>
+            <a:pPr marL="285750" indent="-285750">
+              <a:buFont typeface="Arial" panose="020B0604020202020204" pitchFamily="34" charset="0"/>
+              <a:buChar char="•"/>
+            </a:pPr>
+            <a:r>
+              <a:rPr lang="en-GB" sz="2400" dirty="0"/>
+              <a:t>Use minimal builds during the day to keep integration fast and do full builds at night.</a:t>
+            </a:r>
+          </a:p>
+          <a:p>
+            <a:pPr marL="285750" indent="-285750">
+              <a:buFont typeface="Arial" panose="020B0604020202020204" pitchFamily="34" charset="0"/>
+              <a:buChar char="•"/>
+            </a:pPr>
+            <a:endParaRPr lang="en-GB" sz="2400" dirty="0"/>
+          </a:p>
+          <a:p>
+            <a:pPr marL="285750" indent="-285750">
+              <a:buFont typeface="Arial" panose="020B0604020202020204" pitchFamily="34" charset="0"/>
+              <a:buChar char="•"/>
+            </a:pPr>
+            <a:r>
+              <a:rPr lang="en-GB" sz="2400" dirty="0"/>
+              <a:t>Just because games require manual testing doesn’t mean automated tests don’t work at all.</a:t>
+            </a:r>
+          </a:p>
+          <a:p>
+            <a:pPr marL="285750" indent="-285750">
+              <a:buFont typeface="Arial" panose="020B0604020202020204" pitchFamily="34" charset="0"/>
+              <a:buChar char="•"/>
+            </a:pPr>
+            <a:endParaRPr lang="en-GB" sz="2400" dirty="0"/>
+          </a:p>
+          <a:p>
+            <a:pPr marL="285750" indent="-285750">
+              <a:buFont typeface="Arial" panose="020B0604020202020204" pitchFamily="34" charset="0"/>
+              <a:buChar char="•"/>
+            </a:pPr>
+            <a:endParaRPr lang="en-GB" sz="2400" dirty="0"/>
+          </a:p>
+        </p:txBody>
+      </p:sp>
+    </p:spTree>
+    <p:extLst>
+      <p:ext uri="{BB962C8B-B14F-4D97-AF65-F5344CB8AC3E}">
+        <p14:creationId xmlns:p14="http://schemas.microsoft.com/office/powerpoint/2010/main" val="3443082275"/>
+      </p:ext>
+    </p:extLst>
+  </p:cSld>
+  <p:clrMapOvr>
+    <a:masterClrMapping/>
+  </p:clrMapOvr>
+</p:sld>
+</file>
+
+<file path=ppt/slides/slide9.xml><?xml version="1.0" encoding="utf-8"?>
+<p:sld xmlns:a="http://schemas.openxmlformats.org/drawingml/2006/main" xmlns:r="http://schemas.openxmlformats.org/officeDocument/2006/relationships" xmlns:p="http://schemas.openxmlformats.org/presentationml/2006/main">
+  <p:cSld>
+    <p:spTree>
+      <p:nvGrpSpPr>
+        <p:cNvPr id="1" name=""/>
+        <p:cNvGrpSpPr/>
+        <p:nvPr/>
+      </p:nvGrpSpPr>
+      <p:grpSpPr>
+        <a:xfrm>
+          <a:off x="0" y="0"/>
+          <a:ext cx="0" cy="0"/>
+          <a:chOff x="0" y="0"/>
+          <a:chExt cx="0" cy="0"/>
+        </a:xfrm>
+      </p:grpSpPr>
+      <p:sp>
+        <p:nvSpPr>
           <p:cNvPr id="2" name="Title 1"/>
           <p:cNvSpPr>
             <a:spLocks noGrp="1"/>
@@ -4713,10 +4814,9 @@
           <a:p>
             <a:pPr algn="ctr"/>
             <a:r>
-              <a:rPr lang="en-GB" dirty="0" smtClean="0"/>
+              <a:rPr lang="en-GB" dirty="0"/>
               <a:t>Any Questions?</a:t>
             </a:r>
-            <a:endParaRPr lang="en-GB" dirty="0"/>
           </a:p>
         </p:txBody>
       </p:sp>
